--- a/Readme.pptx
+++ b/Readme.pptx
@@ -196,7 +196,7 @@
           <a:p>
             <a:fld id="{141A565B-FDAC-49C7-8631-95C23414432C}" type="datetimeFigureOut">
               <a:rPr lang="en-US" smtClean="0"/>
-              <a:t>3/8/2017</a:t>
+              <a:t>3/9/2017</a:t>
             </a:fld>
             <a:endParaRPr lang="en-US"/>
           </a:p>
@@ -646,7 +646,7 @@
             <a:fld id="{1D8BD707-D9CF-40AE-B4C6-C98DA3205C09}" type="datetimeFigureOut">
               <a:rPr lang="en-US" smtClean="0"/>
               <a:pPr/>
-              <a:t>3/8/2017</a:t>
+              <a:t>3/9/2017</a:t>
             </a:fld>
             <a:endParaRPr lang="en-US"/>
           </a:p>
@@ -813,7 +813,7 @@
             <a:fld id="{1D8BD707-D9CF-40AE-B4C6-C98DA3205C09}" type="datetimeFigureOut">
               <a:rPr lang="en-US" smtClean="0"/>
               <a:pPr/>
-              <a:t>3/8/2017</a:t>
+              <a:t>3/9/2017</a:t>
             </a:fld>
             <a:endParaRPr lang="en-US"/>
           </a:p>
@@ -990,7 +990,7 @@
             <a:fld id="{1D8BD707-D9CF-40AE-B4C6-C98DA3205C09}" type="datetimeFigureOut">
               <a:rPr lang="en-US" smtClean="0"/>
               <a:pPr/>
-              <a:t>3/8/2017</a:t>
+              <a:t>3/9/2017</a:t>
             </a:fld>
             <a:endParaRPr lang="en-US"/>
           </a:p>
@@ -1157,7 +1157,7 @@
             <a:fld id="{1D8BD707-D9CF-40AE-B4C6-C98DA3205C09}" type="datetimeFigureOut">
               <a:rPr lang="en-US" smtClean="0"/>
               <a:pPr/>
-              <a:t>3/8/2017</a:t>
+              <a:t>3/9/2017</a:t>
             </a:fld>
             <a:endParaRPr lang="en-US"/>
           </a:p>
@@ -1400,7 +1400,7 @@
             <a:fld id="{1D8BD707-D9CF-40AE-B4C6-C98DA3205C09}" type="datetimeFigureOut">
               <a:rPr lang="en-US" smtClean="0"/>
               <a:pPr/>
-              <a:t>3/8/2017</a:t>
+              <a:t>3/9/2017</a:t>
             </a:fld>
             <a:endParaRPr lang="en-US"/>
           </a:p>
@@ -1685,7 +1685,7 @@
             <a:fld id="{1D8BD707-D9CF-40AE-B4C6-C98DA3205C09}" type="datetimeFigureOut">
               <a:rPr lang="en-US" smtClean="0"/>
               <a:pPr/>
-              <a:t>3/8/2017</a:t>
+              <a:t>3/9/2017</a:t>
             </a:fld>
             <a:endParaRPr lang="en-US"/>
           </a:p>
@@ -2104,7 +2104,7 @@
             <a:fld id="{1D8BD707-D9CF-40AE-B4C6-C98DA3205C09}" type="datetimeFigureOut">
               <a:rPr lang="en-US" smtClean="0"/>
               <a:pPr/>
-              <a:t>3/8/2017</a:t>
+              <a:t>3/9/2017</a:t>
             </a:fld>
             <a:endParaRPr lang="en-US"/>
           </a:p>
@@ -2219,7 +2219,7 @@
             <a:fld id="{1D8BD707-D9CF-40AE-B4C6-C98DA3205C09}" type="datetimeFigureOut">
               <a:rPr lang="en-US" smtClean="0"/>
               <a:pPr/>
-              <a:t>3/8/2017</a:t>
+              <a:t>3/9/2017</a:t>
             </a:fld>
             <a:endParaRPr lang="en-US"/>
           </a:p>
@@ -2311,7 +2311,7 @@
             <a:fld id="{1D8BD707-D9CF-40AE-B4C6-C98DA3205C09}" type="datetimeFigureOut">
               <a:rPr lang="en-US" smtClean="0"/>
               <a:pPr/>
-              <a:t>3/8/2017</a:t>
+              <a:t>3/9/2017</a:t>
             </a:fld>
             <a:endParaRPr lang="en-US"/>
           </a:p>
@@ -2585,7 +2585,7 @@
             <a:fld id="{1D8BD707-D9CF-40AE-B4C6-C98DA3205C09}" type="datetimeFigureOut">
               <a:rPr lang="en-US" smtClean="0"/>
               <a:pPr/>
-              <a:t>3/8/2017</a:t>
+              <a:t>3/9/2017</a:t>
             </a:fld>
             <a:endParaRPr lang="en-US"/>
           </a:p>
@@ -2835,7 +2835,7 @@
             <a:fld id="{1D8BD707-D9CF-40AE-B4C6-C98DA3205C09}" type="datetimeFigureOut">
               <a:rPr lang="en-US" smtClean="0"/>
               <a:pPr/>
-              <a:t>3/8/2017</a:t>
+              <a:t>3/9/2017</a:t>
             </a:fld>
             <a:endParaRPr lang="en-US"/>
           </a:p>
@@ -3048,7 +3048,7 @@
             <a:fld id="{1D8BD707-D9CF-40AE-B4C6-C98DA3205C09}" type="datetimeFigureOut">
               <a:rPr lang="en-US" smtClean="0"/>
               <a:pPr/>
-              <a:t>3/8/2017</a:t>
+              <a:t>3/9/2017</a:t>
             </a:fld>
             <a:endParaRPr lang="en-US"/>
           </a:p>
@@ -3967,6 +3967,40 @@
           </a:p>
         </p:txBody>
       </p:sp>
+      <p:cxnSp>
+        <p:nvCxnSpPr>
+          <p:cNvPr id="19" name="Straight Arrow Connector 18"/>
+          <p:cNvCxnSpPr/>
+          <p:nvPr/>
+        </p:nvCxnSpPr>
+        <p:spPr>
+          <a:xfrm>
+            <a:off x="4515807" y="3430561"/>
+            <a:ext cx="862137" cy="0"/>
+          </a:xfrm>
+          <a:prstGeom prst="straightConnector1">
+            <a:avLst/>
+          </a:prstGeom>
+          <a:ln>
+            <a:headEnd type="arrow"/>
+            <a:tailEnd type="arrow"/>
+          </a:ln>
+        </p:spPr>
+        <p:style>
+          <a:lnRef idx="2">
+            <a:schemeClr val="accent3"/>
+          </a:lnRef>
+          <a:fillRef idx="0">
+            <a:schemeClr val="accent3"/>
+          </a:fillRef>
+          <a:effectRef idx="1">
+            <a:schemeClr val="accent3"/>
+          </a:effectRef>
+          <a:fontRef idx="minor">
+            <a:schemeClr val="tx1"/>
+          </a:fontRef>
+        </p:style>
+      </p:cxnSp>
     </p:spTree>
     <p:extLst>
       <p:ext uri="{BB962C8B-B14F-4D97-AF65-F5344CB8AC3E}">
@@ -3977,6 +4011,13 @@
   <p:clrMapOvr>
     <a:masterClrMapping/>
   </p:clrMapOvr>
+  <p:timing>
+    <p:tnLst>
+      <p:par>
+        <p:cTn id="1" dur="indefinite" restart="never" nodeType="tmRoot"/>
+      </p:par>
+    </p:tnLst>
+  </p:timing>
 </p:sld>
 </file>
 
@@ -5535,6 +5576,13 @@
   <p:clrMapOvr>
     <a:masterClrMapping/>
   </p:clrMapOvr>
+  <p:timing>
+    <p:tnLst>
+      <p:par>
+        <p:cTn id="1" dur="indefinite" restart="never" nodeType="tmRoot"/>
+      </p:par>
+    </p:tnLst>
+  </p:timing>
 </p:sld>
 </file>
 
@@ -8408,6 +8456,13 @@
   <p:clrMapOvr>
     <a:masterClrMapping/>
   </p:clrMapOvr>
+  <p:timing>
+    <p:tnLst>
+      <p:par>
+        <p:cTn id="1" dur="indefinite" restart="never" nodeType="tmRoot"/>
+      </p:par>
+    </p:tnLst>
+  </p:timing>
 </p:sld>
 </file>
 
@@ -9193,6 +9248,13 @@
   <p:clrMapOvr>
     <a:masterClrMapping/>
   </p:clrMapOvr>
+  <p:timing>
+    <p:tnLst>
+      <p:par>
+        <p:cTn id="1" dur="indefinite" restart="never" nodeType="tmRoot"/>
+      </p:par>
+    </p:tnLst>
+  </p:timing>
 </p:sld>
 </file>
 
@@ -10033,6 +10095,13 @@
   <p:clrMapOvr>
     <a:masterClrMapping/>
   </p:clrMapOvr>
+  <p:timing>
+    <p:tnLst>
+      <p:par>
+        <p:cTn id="1" dur="indefinite" restart="never" nodeType="tmRoot"/>
+      </p:par>
+    </p:tnLst>
+  </p:timing>
 </p:sld>
 </file>
 
